--- a/slides/versionamento-de-api.pptx
+++ b/slides/versionamento-de-api.pptx
@@ -15850,6 +15850,63 @@
           </a:p>
         </p:txBody>
       </p:sp>
+      <p:sp>
+        <p:nvSpPr>
+          <p:cNvPr id="5" name="CaixaDeTexto 4">
+            <a:extLst>
+              <a:ext uri="{FF2B5EF4-FFF2-40B4-BE49-F238E27FC236}">
+                <a16:creationId xmlns:a16="http://schemas.microsoft.com/office/drawing/2014/main" id="{F2151553-FD9E-4C71-8E2D-4E85A0EFE272}"/>
+              </a:ext>
+            </a:extLst>
+          </p:cNvPr>
+          <p:cNvSpPr txBox="1"/>
+          <p:nvPr/>
+        </p:nvSpPr>
+        <p:spPr>
+          <a:xfrm>
+            <a:off x="6534462" y="6392903"/>
+            <a:ext cx="2356320" cy="307777"/>
+          </a:xfrm>
+          <a:prstGeom prst="rect">
+            <a:avLst/>
+          </a:prstGeom>
+          <a:noFill/>
+        </p:spPr>
+        <p:txBody>
+          <a:bodyPr wrap="square" rtlCol="0">
+            <a:spAutoFit/>
+          </a:bodyPr>
+          <a:lstStyle/>
+          <a:p>
+            <a:pPr algn="just"/>
+            <a:r>
+              <a:rPr lang="pt-BR" dirty="0">
+                <a:solidFill>
+                  <a:schemeClr val="tx1">
+                    <a:lumMod val="85000"/>
+                    <a:lumOff val="15000"/>
+                  </a:schemeClr>
+                </a:solidFill>
+                <a:latin typeface="Verdana" panose="020B0604030504040204" pitchFamily="34" charset="0"/>
+                <a:ea typeface="Verdana" panose="020B0604030504040204" pitchFamily="34" charset="0"/>
+                <a:cs typeface="Calibri" panose="020F0502020204030204" pitchFamily="34" charset="0"/>
+              </a:rPr>
+              <a:t>Prof. Marcelo Bernardes</a:t>
+            </a:r>
+            <a:endParaRPr lang="pt-BR" b="1" dirty="0">
+              <a:solidFill>
+                <a:schemeClr val="tx1">
+                  <a:lumMod val="85000"/>
+                  <a:lumOff val="15000"/>
+                </a:schemeClr>
+              </a:solidFill>
+              <a:latin typeface="Verdana" panose="020B0604030504040204" pitchFamily="34" charset="0"/>
+              <a:ea typeface="Verdana" panose="020B0604030504040204" pitchFamily="34" charset="0"/>
+              <a:cs typeface="Calibri" panose="020F0502020204030204" pitchFamily="34" charset="0"/>
+            </a:endParaRPr>
+          </a:p>
+        </p:txBody>
+      </p:sp>
     </p:spTree>
   </p:cSld>
   <p:clrMapOvr>
@@ -15954,6 +16011,63 @@
               </a:rPr>
               <a:t>A partir do momento em que a API está sendo consumida por pelo menos um cliente, uma preocupação passa a ser necessária ao fazer qualquer alteração em sua interface pública, pois dependendo do que é alterado, podemos deixar alguns clientes inoperantes.</a:t>
             </a:r>
+          </a:p>
+        </p:txBody>
+      </p:sp>
+      <p:sp>
+        <p:nvSpPr>
+          <p:cNvPr id="3" name="CaixaDeTexto 2">
+            <a:extLst>
+              <a:ext uri="{FF2B5EF4-FFF2-40B4-BE49-F238E27FC236}">
+                <a16:creationId xmlns:a16="http://schemas.microsoft.com/office/drawing/2014/main" id="{869E5FB0-C3A9-4A8C-B790-B6153274FA50}"/>
+              </a:ext>
+            </a:extLst>
+          </p:cNvPr>
+          <p:cNvSpPr txBox="1"/>
+          <p:nvPr/>
+        </p:nvSpPr>
+        <p:spPr>
+          <a:xfrm>
+            <a:off x="6534462" y="6392903"/>
+            <a:ext cx="2356320" cy="307777"/>
+          </a:xfrm>
+          <a:prstGeom prst="rect">
+            <a:avLst/>
+          </a:prstGeom>
+          <a:noFill/>
+        </p:spPr>
+        <p:txBody>
+          <a:bodyPr wrap="square" rtlCol="0">
+            <a:spAutoFit/>
+          </a:bodyPr>
+          <a:lstStyle/>
+          <a:p>
+            <a:pPr algn="just"/>
+            <a:r>
+              <a:rPr lang="pt-BR" dirty="0">
+                <a:solidFill>
+                  <a:schemeClr val="tx1">
+                    <a:lumMod val="85000"/>
+                    <a:lumOff val="15000"/>
+                  </a:schemeClr>
+                </a:solidFill>
+                <a:latin typeface="Verdana" panose="020B0604030504040204" pitchFamily="34" charset="0"/>
+                <a:ea typeface="Verdana" panose="020B0604030504040204" pitchFamily="34" charset="0"/>
+                <a:cs typeface="Calibri" panose="020F0502020204030204" pitchFamily="34" charset="0"/>
+              </a:rPr>
+              <a:t>Prof. Marcelo Bernardes</a:t>
+            </a:r>
+            <a:endParaRPr lang="pt-BR" b="1" dirty="0">
+              <a:solidFill>
+                <a:schemeClr val="tx1">
+                  <a:lumMod val="85000"/>
+                  <a:lumOff val="15000"/>
+                </a:schemeClr>
+              </a:solidFill>
+              <a:latin typeface="Verdana" panose="020B0604030504040204" pitchFamily="34" charset="0"/>
+              <a:ea typeface="Verdana" panose="020B0604030504040204" pitchFamily="34" charset="0"/>
+              <a:cs typeface="Calibri" panose="020F0502020204030204" pitchFamily="34" charset="0"/>
+            </a:endParaRPr>
           </a:p>
         </p:txBody>
       </p:sp>
@@ -16088,6 +16202,63 @@
           </a:p>
         </p:txBody>
       </p:sp>
+      <p:sp>
+        <p:nvSpPr>
+          <p:cNvPr id="3" name="CaixaDeTexto 2">
+            <a:extLst>
+              <a:ext uri="{FF2B5EF4-FFF2-40B4-BE49-F238E27FC236}">
+                <a16:creationId xmlns:a16="http://schemas.microsoft.com/office/drawing/2014/main" id="{26164155-60E4-4C8D-A40A-E9A9BA2FF176}"/>
+              </a:ext>
+            </a:extLst>
+          </p:cNvPr>
+          <p:cNvSpPr txBox="1"/>
+          <p:nvPr/>
+        </p:nvSpPr>
+        <p:spPr>
+          <a:xfrm>
+            <a:off x="6534462" y="6392903"/>
+            <a:ext cx="2356320" cy="307777"/>
+          </a:xfrm>
+          <a:prstGeom prst="rect">
+            <a:avLst/>
+          </a:prstGeom>
+          <a:noFill/>
+        </p:spPr>
+        <p:txBody>
+          <a:bodyPr wrap="square" rtlCol="0">
+            <a:spAutoFit/>
+          </a:bodyPr>
+          <a:lstStyle/>
+          <a:p>
+            <a:pPr algn="just"/>
+            <a:r>
+              <a:rPr lang="pt-BR" dirty="0">
+                <a:solidFill>
+                  <a:schemeClr val="tx1">
+                    <a:lumMod val="85000"/>
+                    <a:lumOff val="15000"/>
+                  </a:schemeClr>
+                </a:solidFill>
+                <a:latin typeface="Verdana" panose="020B0604030504040204" pitchFamily="34" charset="0"/>
+                <a:ea typeface="Verdana" panose="020B0604030504040204" pitchFamily="34" charset="0"/>
+                <a:cs typeface="Calibri" panose="020F0502020204030204" pitchFamily="34" charset="0"/>
+              </a:rPr>
+              <a:t>Prof. Marcelo Bernardes</a:t>
+            </a:r>
+            <a:endParaRPr lang="pt-BR" b="1" dirty="0">
+              <a:solidFill>
+                <a:schemeClr val="tx1">
+                  <a:lumMod val="85000"/>
+                  <a:lumOff val="15000"/>
+                </a:schemeClr>
+              </a:solidFill>
+              <a:latin typeface="Verdana" panose="020B0604030504040204" pitchFamily="34" charset="0"/>
+              <a:ea typeface="Verdana" panose="020B0604030504040204" pitchFamily="34" charset="0"/>
+              <a:cs typeface="Calibri" panose="020F0502020204030204" pitchFamily="34" charset="0"/>
+            </a:endParaRPr>
+          </a:p>
+        </p:txBody>
+      </p:sp>
     </p:spTree>
     <p:extLst>
       <p:ext uri="{BB962C8B-B14F-4D97-AF65-F5344CB8AC3E}">
@@ -16222,6 +16393,63 @@
               </a:rPr>
               <a:t> de versionamento</a:t>
             </a:r>
+          </a:p>
+        </p:txBody>
+      </p:sp>
+      <p:sp>
+        <p:nvSpPr>
+          <p:cNvPr id="3" name="CaixaDeTexto 2">
+            <a:extLst>
+              <a:ext uri="{FF2B5EF4-FFF2-40B4-BE49-F238E27FC236}">
+                <a16:creationId xmlns:a16="http://schemas.microsoft.com/office/drawing/2014/main" id="{22C4D2F1-B148-4992-8B8A-4C2F65CB2C09}"/>
+              </a:ext>
+            </a:extLst>
+          </p:cNvPr>
+          <p:cNvSpPr txBox="1"/>
+          <p:nvPr/>
+        </p:nvSpPr>
+        <p:spPr>
+          <a:xfrm>
+            <a:off x="6534462" y="6392903"/>
+            <a:ext cx="2356320" cy="307777"/>
+          </a:xfrm>
+          <a:prstGeom prst="rect">
+            <a:avLst/>
+          </a:prstGeom>
+          <a:noFill/>
+        </p:spPr>
+        <p:txBody>
+          <a:bodyPr wrap="square" rtlCol="0">
+            <a:spAutoFit/>
+          </a:bodyPr>
+          <a:lstStyle/>
+          <a:p>
+            <a:pPr algn="just"/>
+            <a:r>
+              <a:rPr lang="pt-BR" dirty="0">
+                <a:solidFill>
+                  <a:schemeClr val="tx1">
+                    <a:lumMod val="85000"/>
+                    <a:lumOff val="15000"/>
+                  </a:schemeClr>
+                </a:solidFill>
+                <a:latin typeface="Verdana" panose="020B0604030504040204" pitchFamily="34" charset="0"/>
+                <a:ea typeface="Verdana" panose="020B0604030504040204" pitchFamily="34" charset="0"/>
+                <a:cs typeface="Calibri" panose="020F0502020204030204" pitchFamily="34" charset="0"/>
+              </a:rPr>
+              <a:t>Prof. Marcelo Bernardes</a:t>
+            </a:r>
+            <a:endParaRPr lang="pt-BR" b="1" dirty="0">
+              <a:solidFill>
+                <a:schemeClr val="tx1">
+                  <a:lumMod val="85000"/>
+                  <a:lumOff val="15000"/>
+                </a:schemeClr>
+              </a:solidFill>
+              <a:latin typeface="Verdana" panose="020B0604030504040204" pitchFamily="34" charset="0"/>
+              <a:ea typeface="Verdana" panose="020B0604030504040204" pitchFamily="34" charset="0"/>
+              <a:cs typeface="Calibri" panose="020F0502020204030204" pitchFamily="34" charset="0"/>
+            </a:endParaRPr>
           </a:p>
         </p:txBody>
       </p:sp>
@@ -16448,6 +16676,63 @@
               <a:ea typeface="Verdana"/>
               <a:cs typeface="Verdana"/>
               <a:sym typeface="Verdana"/>
+            </a:endParaRPr>
+          </a:p>
+        </p:txBody>
+      </p:sp>
+      <p:sp>
+        <p:nvSpPr>
+          <p:cNvPr id="4" name="CaixaDeTexto 3">
+            <a:extLst>
+              <a:ext uri="{FF2B5EF4-FFF2-40B4-BE49-F238E27FC236}">
+                <a16:creationId xmlns:a16="http://schemas.microsoft.com/office/drawing/2014/main" id="{82995040-FAF9-47F3-81BE-C32ACD9CC69B}"/>
+              </a:ext>
+            </a:extLst>
+          </p:cNvPr>
+          <p:cNvSpPr txBox="1"/>
+          <p:nvPr/>
+        </p:nvSpPr>
+        <p:spPr>
+          <a:xfrm>
+            <a:off x="6534462" y="6392903"/>
+            <a:ext cx="2356320" cy="307777"/>
+          </a:xfrm>
+          <a:prstGeom prst="rect">
+            <a:avLst/>
+          </a:prstGeom>
+          <a:noFill/>
+        </p:spPr>
+        <p:txBody>
+          <a:bodyPr wrap="square" rtlCol="0">
+            <a:spAutoFit/>
+          </a:bodyPr>
+          <a:lstStyle/>
+          <a:p>
+            <a:pPr algn="just"/>
+            <a:r>
+              <a:rPr lang="pt-BR" dirty="0">
+                <a:solidFill>
+                  <a:schemeClr val="tx1">
+                    <a:lumMod val="85000"/>
+                    <a:lumOff val="15000"/>
+                  </a:schemeClr>
+                </a:solidFill>
+                <a:latin typeface="Verdana" panose="020B0604030504040204" pitchFamily="34" charset="0"/>
+                <a:ea typeface="Verdana" panose="020B0604030504040204" pitchFamily="34" charset="0"/>
+                <a:cs typeface="Calibri" panose="020F0502020204030204" pitchFamily="34" charset="0"/>
+              </a:rPr>
+              <a:t>Prof. Marcelo Bernardes</a:t>
+            </a:r>
+            <a:endParaRPr lang="pt-BR" b="1" dirty="0">
+              <a:solidFill>
+                <a:schemeClr val="tx1">
+                  <a:lumMod val="85000"/>
+                  <a:lumOff val="15000"/>
+                </a:schemeClr>
+              </a:solidFill>
+              <a:latin typeface="Verdana" panose="020B0604030504040204" pitchFamily="34" charset="0"/>
+              <a:ea typeface="Verdana" panose="020B0604030504040204" pitchFamily="34" charset="0"/>
+              <a:cs typeface="Calibri" panose="020F0502020204030204" pitchFamily="34" charset="0"/>
             </a:endParaRPr>
           </a:p>
         </p:txBody>
@@ -16634,6 +16919,63 @@
           </a:p>
         </p:txBody>
       </p:sp>
+      <p:sp>
+        <p:nvSpPr>
+          <p:cNvPr id="5" name="CaixaDeTexto 4">
+            <a:extLst>
+              <a:ext uri="{FF2B5EF4-FFF2-40B4-BE49-F238E27FC236}">
+                <a16:creationId xmlns:a16="http://schemas.microsoft.com/office/drawing/2014/main" id="{EAF2B431-6A03-41FB-9001-A89BE6F7699C}"/>
+              </a:ext>
+            </a:extLst>
+          </p:cNvPr>
+          <p:cNvSpPr txBox="1"/>
+          <p:nvPr/>
+        </p:nvSpPr>
+        <p:spPr>
+          <a:xfrm>
+            <a:off x="6534462" y="6392903"/>
+            <a:ext cx="2356320" cy="307777"/>
+          </a:xfrm>
+          <a:prstGeom prst="rect">
+            <a:avLst/>
+          </a:prstGeom>
+          <a:noFill/>
+        </p:spPr>
+        <p:txBody>
+          <a:bodyPr wrap="square" rtlCol="0">
+            <a:spAutoFit/>
+          </a:bodyPr>
+          <a:lstStyle/>
+          <a:p>
+            <a:pPr algn="just"/>
+            <a:r>
+              <a:rPr lang="pt-BR" dirty="0">
+                <a:solidFill>
+                  <a:schemeClr val="tx1">
+                    <a:lumMod val="85000"/>
+                    <a:lumOff val="15000"/>
+                  </a:schemeClr>
+                </a:solidFill>
+                <a:latin typeface="Verdana" panose="020B0604030504040204" pitchFamily="34" charset="0"/>
+                <a:ea typeface="Verdana" panose="020B0604030504040204" pitchFamily="34" charset="0"/>
+                <a:cs typeface="Calibri" panose="020F0502020204030204" pitchFamily="34" charset="0"/>
+              </a:rPr>
+              <a:t>Prof. Marcelo Bernardes</a:t>
+            </a:r>
+            <a:endParaRPr lang="pt-BR" b="1" dirty="0">
+              <a:solidFill>
+                <a:schemeClr val="tx1">
+                  <a:lumMod val="85000"/>
+                  <a:lumOff val="15000"/>
+                </a:schemeClr>
+              </a:solidFill>
+              <a:latin typeface="Verdana" panose="020B0604030504040204" pitchFamily="34" charset="0"/>
+              <a:ea typeface="Verdana" panose="020B0604030504040204" pitchFamily="34" charset="0"/>
+              <a:cs typeface="Calibri" panose="020F0502020204030204" pitchFamily="34" charset="0"/>
+            </a:endParaRPr>
+          </a:p>
+        </p:txBody>
+      </p:sp>
     </p:spTree>
     <p:extLst>
       <p:ext uri="{BB962C8B-B14F-4D97-AF65-F5344CB8AC3E}">
@@ -16810,6 +17152,63 @@
               </a:rPr>
               <a:t>3</a:t>
             </a:r>
+          </a:p>
+        </p:txBody>
+      </p:sp>
+      <p:sp>
+        <p:nvSpPr>
+          <p:cNvPr id="5" name="CaixaDeTexto 4">
+            <a:extLst>
+              <a:ext uri="{FF2B5EF4-FFF2-40B4-BE49-F238E27FC236}">
+                <a16:creationId xmlns:a16="http://schemas.microsoft.com/office/drawing/2014/main" id="{C9E10095-6BCB-489D-BF45-08D77286124A}"/>
+              </a:ext>
+            </a:extLst>
+          </p:cNvPr>
+          <p:cNvSpPr txBox="1"/>
+          <p:nvPr/>
+        </p:nvSpPr>
+        <p:spPr>
+          <a:xfrm>
+            <a:off x="6534462" y="6392903"/>
+            <a:ext cx="2356320" cy="307777"/>
+          </a:xfrm>
+          <a:prstGeom prst="rect">
+            <a:avLst/>
+          </a:prstGeom>
+          <a:noFill/>
+        </p:spPr>
+        <p:txBody>
+          <a:bodyPr wrap="square" rtlCol="0">
+            <a:spAutoFit/>
+          </a:bodyPr>
+          <a:lstStyle/>
+          <a:p>
+            <a:pPr algn="just"/>
+            <a:r>
+              <a:rPr lang="pt-BR" dirty="0">
+                <a:solidFill>
+                  <a:schemeClr val="tx1">
+                    <a:lumMod val="85000"/>
+                    <a:lumOff val="15000"/>
+                  </a:schemeClr>
+                </a:solidFill>
+                <a:latin typeface="Verdana" panose="020B0604030504040204" pitchFamily="34" charset="0"/>
+                <a:ea typeface="Verdana" panose="020B0604030504040204" pitchFamily="34" charset="0"/>
+                <a:cs typeface="Calibri" panose="020F0502020204030204" pitchFamily="34" charset="0"/>
+              </a:rPr>
+              <a:t>Prof. Marcelo Bernardes</a:t>
+            </a:r>
+            <a:endParaRPr lang="pt-BR" b="1" dirty="0">
+              <a:solidFill>
+                <a:schemeClr val="tx1">
+                  <a:lumMod val="85000"/>
+                  <a:lumOff val="15000"/>
+                </a:schemeClr>
+              </a:solidFill>
+              <a:latin typeface="Verdana" panose="020B0604030504040204" pitchFamily="34" charset="0"/>
+              <a:ea typeface="Verdana" panose="020B0604030504040204" pitchFamily="34" charset="0"/>
+              <a:cs typeface="Calibri" panose="020F0502020204030204" pitchFamily="34" charset="0"/>
+            </a:endParaRPr>
           </a:p>
         </p:txBody>
       </p:sp>
